--- a/INTRODUCTION (1).pptx
+++ b/INTRODUCTION (1).pptx
@@ -23253,7 +23253,7 @@
           <p:nvPr/>
         </p:nvPicPr>
         <p:blipFill>
-          <a:blip r:embed="rId3" cstate="print">
+          <a:blip r:embed="rId2" cstate="print">
             <a:extLst>
               <a:ext uri="{28A0092B-C50C-407E-A947-70E740481C1C}">
                 <a14:useLocalDpi xmlns:a14="http://schemas.microsoft.com/office/drawing/2010/main" val="0"/>
@@ -24332,7 +24332,7 @@
           </p:nvPr>
         </p:nvPicPr>
         <p:blipFill rotWithShape="1">
-          <a:blip r:embed="rId4">
+          <a:blip r:embed="rId3">
             <a:extLst>
               <a:ext uri="{28A0092B-C50C-407E-A947-70E740481C1C}">
                 <a14:useLocalDpi xmlns:a14="http://schemas.microsoft.com/office/drawing/2010/main" val="0"/>
